--- a/発表資料/Pythonで学ぶ強化学習/Pythonで学ぶ強化学習chapter1.pptx
+++ b/発表資料/Pythonで学ぶ強化学習/Pythonで学ぶ強化学習chapter1.pptx
@@ -5032,7 +5032,7 @@
   <pc:docChgLst>
     <pc:chgData name="Masaya Yamaguchi" userId="8869a66585b793a1" providerId="LiveId" clId="{EACDC61C-5CB3-417F-BECB-D45CB1B0DAFB}"/>
     <pc:docChg chg="undo redo custSel mod addSld delSld modSld sldOrd">
-      <pc:chgData name="Masaya Yamaguchi" userId="8869a66585b793a1" providerId="LiveId" clId="{EACDC61C-5CB3-417F-BECB-D45CB1B0DAFB}" dt="2020-09-02T16:12:32.971" v="6422" actId="1076"/>
+      <pc:chgData name="Masaya Yamaguchi" userId="8869a66585b793a1" providerId="LiveId" clId="{EACDC61C-5CB3-417F-BECB-D45CB1B0DAFB}" dt="2020-09-03T09:02:19.860" v="6430" actId="20577"/>
       <pc:docMkLst>
         <pc:docMk/>
       </pc:docMkLst>
@@ -5102,7 +5102,7 @@
         </pc:sldMkLst>
       </pc:sldChg>
       <pc:sldChg chg="addSp delSp modSp">
-        <pc:chgData name="Masaya Yamaguchi" userId="8869a66585b793a1" providerId="LiveId" clId="{EACDC61C-5CB3-417F-BECB-D45CB1B0DAFB}" dt="2020-08-30T19:01:41.345" v="1230" actId="20577"/>
+        <pc:chgData name="Masaya Yamaguchi" userId="8869a66585b793a1" providerId="LiveId" clId="{EACDC61C-5CB3-417F-BECB-D45CB1B0DAFB}" dt="2020-09-03T09:02:16.208" v="6429" actId="20577"/>
         <pc:sldMkLst>
           <pc:docMk/>
           <pc:sldMk cId="886174722" sldId="269"/>
@@ -5124,7 +5124,7 @@
           </ac:spMkLst>
         </pc:spChg>
         <pc:spChg chg="mod">
-          <ac:chgData name="Masaya Yamaguchi" userId="8869a66585b793a1" providerId="LiveId" clId="{EACDC61C-5CB3-417F-BECB-D45CB1B0DAFB}" dt="2020-08-30T19:01:41.345" v="1230" actId="20577"/>
+          <ac:chgData name="Masaya Yamaguchi" userId="8869a66585b793a1" providerId="LiveId" clId="{EACDC61C-5CB3-417F-BECB-D45CB1B0DAFB}" dt="2020-09-03T09:02:16.208" v="6429" actId="20577"/>
           <ac:spMkLst>
             <pc:docMk/>
             <pc:sldMk cId="886174722" sldId="269"/>
@@ -5243,13 +5243,13 @@
         </pc:spChg>
       </pc:sldChg>
       <pc:sldChg chg="addSp delSp modSp add">
-        <pc:chgData name="Masaya Yamaguchi" userId="8869a66585b793a1" providerId="LiveId" clId="{EACDC61C-5CB3-417F-BECB-D45CB1B0DAFB}" dt="2020-08-30T19:42:59.201" v="2650" actId="20577"/>
+        <pc:chgData name="Masaya Yamaguchi" userId="8869a66585b793a1" providerId="LiveId" clId="{EACDC61C-5CB3-417F-BECB-D45CB1B0DAFB}" dt="2020-09-03T09:02:19.860" v="6430" actId="20577"/>
         <pc:sldMkLst>
           <pc:docMk/>
           <pc:sldMk cId="828684758" sldId="271"/>
         </pc:sldMkLst>
         <pc:spChg chg="add del mod">
-          <ac:chgData name="Masaya Yamaguchi" userId="8869a66585b793a1" providerId="LiveId" clId="{EACDC61C-5CB3-417F-BECB-D45CB1B0DAFB}" dt="2020-08-30T19:42:59.201" v="2650" actId="20577"/>
+          <ac:chgData name="Masaya Yamaguchi" userId="8869a66585b793a1" providerId="LiveId" clId="{EACDC61C-5CB3-417F-BECB-D45CB1B0DAFB}" dt="2020-09-03T09:02:19.860" v="6430" actId="20577"/>
           <ac:spMkLst>
             <pc:docMk/>
             <pc:sldMk cId="828684758" sldId="271"/>
@@ -6052,7 +6052,7 @@
           <a:p>
             <a:fld id="{6F410624-7C5E-4564-8988-5D4DC79A743A}" type="datetimeFigureOut">
               <a:rPr kumimoji="1" lang="ja-JP" altLang="en-US" smtClean="0"/>
-              <a:t>2020/9/2</a:t>
+              <a:t>2020/9/3</a:t>
             </a:fld>
             <a:endParaRPr kumimoji="1" lang="ja-JP" altLang="en-US"/>
           </a:p>
@@ -6282,7 +6282,7 @@
           <a:p>
             <a:fld id="{6F410624-7C5E-4564-8988-5D4DC79A743A}" type="datetimeFigureOut">
               <a:rPr kumimoji="1" lang="ja-JP" altLang="en-US" smtClean="0"/>
-              <a:t>2020/9/2</a:t>
+              <a:t>2020/9/3</a:t>
             </a:fld>
             <a:endParaRPr kumimoji="1" lang="ja-JP" altLang="en-US"/>
           </a:p>
@@ -6522,7 +6522,7 @@
           <a:p>
             <a:fld id="{6F410624-7C5E-4564-8988-5D4DC79A743A}" type="datetimeFigureOut">
               <a:rPr kumimoji="1" lang="ja-JP" altLang="en-US" smtClean="0"/>
-              <a:t>2020/9/2</a:t>
+              <a:t>2020/9/3</a:t>
             </a:fld>
             <a:endParaRPr kumimoji="1" lang="ja-JP" altLang="en-US"/>
           </a:p>
@@ -6752,7 +6752,7 @@
           <a:p>
             <a:fld id="{6F410624-7C5E-4564-8988-5D4DC79A743A}" type="datetimeFigureOut">
               <a:rPr kumimoji="1" lang="ja-JP" altLang="en-US" smtClean="0"/>
-              <a:t>2020/9/2</a:t>
+              <a:t>2020/9/3</a:t>
             </a:fld>
             <a:endParaRPr kumimoji="1" lang="ja-JP" altLang="en-US"/>
           </a:p>
@@ -7027,7 +7027,7 @@
           <a:p>
             <a:fld id="{6F410624-7C5E-4564-8988-5D4DC79A743A}" type="datetimeFigureOut">
               <a:rPr kumimoji="1" lang="ja-JP" altLang="en-US" smtClean="0"/>
-              <a:t>2020/9/2</a:t>
+              <a:t>2020/9/3</a:t>
             </a:fld>
             <a:endParaRPr kumimoji="1" lang="ja-JP" altLang="en-US"/>
           </a:p>
@@ -7356,7 +7356,7 @@
           <a:p>
             <a:fld id="{6F410624-7C5E-4564-8988-5D4DC79A743A}" type="datetimeFigureOut">
               <a:rPr kumimoji="1" lang="ja-JP" altLang="en-US" smtClean="0"/>
-              <a:t>2020/9/2</a:t>
+              <a:t>2020/9/3</a:t>
             </a:fld>
             <a:endParaRPr kumimoji="1" lang="ja-JP" altLang="en-US"/>
           </a:p>
@@ -7832,7 +7832,7 @@
           <a:p>
             <a:fld id="{6F410624-7C5E-4564-8988-5D4DC79A743A}" type="datetimeFigureOut">
               <a:rPr kumimoji="1" lang="ja-JP" altLang="en-US" smtClean="0"/>
-              <a:t>2020/9/2</a:t>
+              <a:t>2020/9/3</a:t>
             </a:fld>
             <a:endParaRPr kumimoji="1" lang="ja-JP" altLang="en-US"/>
           </a:p>
@@ -7973,7 +7973,7 @@
           <a:p>
             <a:fld id="{6F410624-7C5E-4564-8988-5D4DC79A743A}" type="datetimeFigureOut">
               <a:rPr kumimoji="1" lang="ja-JP" altLang="en-US" smtClean="0"/>
-              <a:t>2020/9/2</a:t>
+              <a:t>2020/9/3</a:t>
             </a:fld>
             <a:endParaRPr kumimoji="1" lang="ja-JP" altLang="en-US"/>
           </a:p>
@@ -8086,7 +8086,7 @@
           <a:p>
             <a:fld id="{6F410624-7C5E-4564-8988-5D4DC79A743A}" type="datetimeFigureOut">
               <a:rPr kumimoji="1" lang="ja-JP" altLang="en-US" smtClean="0"/>
-              <a:t>2020/9/2</a:t>
+              <a:t>2020/9/3</a:t>
             </a:fld>
             <a:endParaRPr kumimoji="1" lang="ja-JP" altLang="en-US"/>
           </a:p>
@@ -8429,7 +8429,7 @@
           <a:p>
             <a:fld id="{6F410624-7C5E-4564-8988-5D4DC79A743A}" type="datetimeFigureOut">
               <a:rPr kumimoji="1" lang="ja-JP" altLang="en-US" smtClean="0"/>
-              <a:t>2020/9/2</a:t>
+              <a:t>2020/9/3</a:t>
             </a:fld>
             <a:endParaRPr kumimoji="1" lang="ja-JP" altLang="en-US"/>
           </a:p>
@@ -8717,7 +8717,7 @@
           <a:p>
             <a:fld id="{6F410624-7C5E-4564-8988-5D4DC79A743A}" type="datetimeFigureOut">
               <a:rPr kumimoji="1" lang="ja-JP" altLang="en-US" smtClean="0"/>
-              <a:t>2020/9/2</a:t>
+              <a:t>2020/9/3</a:t>
             </a:fld>
             <a:endParaRPr kumimoji="1" lang="ja-JP" altLang="en-US"/>
           </a:p>
@@ -8990,7 +8990,7 @@
           <a:p>
             <a:fld id="{6F410624-7C5E-4564-8988-5D4DC79A743A}" type="datetimeFigureOut">
               <a:rPr kumimoji="1" lang="ja-JP" altLang="en-US" smtClean="0"/>
-              <a:t>2020/9/2</a:t>
+              <a:t>2020/9/3</a:t>
             </a:fld>
             <a:endParaRPr kumimoji="1" lang="ja-JP" altLang="en-US"/>
           </a:p>
@@ -10264,8 +10264,8 @@
           </a:p>
         </p:txBody>
       </p:sp>
-      <mc:AlternateContent xmlns:mc="http://schemas.openxmlformats.org/markup-compatibility/2006">
-        <mc:Choice xmlns:a14="http://schemas.microsoft.com/office/drawing/2010/main" Requires="a14">
+      <mc:AlternateContent xmlns:mc="http://schemas.openxmlformats.org/markup-compatibility/2006" xmlns:a14="http://schemas.microsoft.com/office/drawing/2010/main">
+        <mc:Choice Requires="a14">
           <p:sp>
             <p:nvSpPr>
               <p:cNvPr id="2" name="テキスト ボックス 1">
@@ -10496,7 +10496,7 @@
             </p:txBody>
           </p:sp>
         </mc:Choice>
-        <mc:Fallback>
+        <mc:Fallback xmlns="">
           <p:sp>
             <p:nvSpPr>
               <p:cNvPr id="2" name="テキスト ボックス 1">
@@ -10874,8 +10874,8 @@
           </a:p>
         </p:txBody>
       </p:sp>
-      <mc:AlternateContent xmlns:mc="http://schemas.openxmlformats.org/markup-compatibility/2006">
-        <mc:Choice xmlns:a14="http://schemas.microsoft.com/office/drawing/2010/main" Requires="a14">
+      <mc:AlternateContent xmlns:mc="http://schemas.openxmlformats.org/markup-compatibility/2006" xmlns:a14="http://schemas.microsoft.com/office/drawing/2010/main">
+        <mc:Choice Requires="a14">
           <p:sp>
             <p:nvSpPr>
               <p:cNvPr id="2" name="テキスト ボックス 1">
@@ -11062,7 +11062,7 @@
             </p:txBody>
           </p:sp>
         </mc:Choice>
-        <mc:Fallback>
+        <mc:Fallback xmlns="">
           <p:sp>
             <p:nvSpPr>
               <p:cNvPr id="2" name="テキスト ボックス 1">
@@ -11173,8 +11173,8 @@
           </a:p>
         </p:txBody>
       </p:sp>
-      <mc:AlternateContent xmlns:mc="http://schemas.openxmlformats.org/markup-compatibility/2006">
-        <mc:Choice xmlns:a14="http://schemas.microsoft.com/office/drawing/2010/main" Requires="a14">
+      <mc:AlternateContent xmlns:mc="http://schemas.openxmlformats.org/markup-compatibility/2006" xmlns:a14="http://schemas.microsoft.com/office/drawing/2010/main">
+        <mc:Choice Requires="a14">
           <p:sp>
             <p:nvSpPr>
               <p:cNvPr id="2" name="テキスト ボックス 1">
@@ -11418,7 +11418,7 @@
             </p:txBody>
           </p:sp>
         </mc:Choice>
-        <mc:Fallback>
+        <mc:Fallback xmlns="">
           <p:sp>
             <p:nvSpPr>
               <p:cNvPr id="2" name="テキスト ボックス 1">
@@ -12235,7 +12235,7 @@
             </a:r>
             <a:r>
               <a:rPr lang="ja-JP" altLang="en-US" sz="2000" dirty="0"/>
-              <a:t>行動より報酬が与えられる環境を与えて</a:t>
+              <a:t>行動により報酬が与えられる環境を与えて</a:t>
             </a:r>
             <a:r>
               <a:rPr lang="en-US" altLang="ja-JP" sz="2000" dirty="0"/>
@@ -12797,8 +12797,8 @@
               <a:t>中間地点に正の報酬を置いたりする</a:t>
             </a:r>
             <a:r>
-              <a:rPr lang="en-US" altLang="ja-JP" dirty="0"/>
-              <a:t>.,</a:t>
+              <a:rPr lang="en-US" altLang="ja-JP"/>
+              <a:t>.</a:t>
             </a:r>
             <a:endParaRPr kumimoji="1" lang="en-US" altLang="ja-JP" dirty="0"/>
           </a:p>
